--- a/Images/SFDC.pptx
+++ b/Images/SFDC.pptx
@@ -261,7 +261,7 @@
           <a:p>
             <a:fld id="{44B4BEA2-D109-4532-95C1-CBF8B48DC336}" type="datetimeFigureOut">
               <a:rPr lang="en-IN" smtClean="0"/>
-              <a:t>05-06-2024</a:t>
+              <a:t>21-01-2025</a:t>
             </a:fld>
             <a:endParaRPr lang="en-IN"/>
           </a:p>
@@ -461,7 +461,7 @@
           <a:p>
             <a:fld id="{44B4BEA2-D109-4532-95C1-CBF8B48DC336}" type="datetimeFigureOut">
               <a:rPr lang="en-IN" smtClean="0"/>
-              <a:t>05-06-2024</a:t>
+              <a:t>21-01-2025</a:t>
             </a:fld>
             <a:endParaRPr lang="en-IN"/>
           </a:p>
@@ -671,7 +671,7 @@
           <a:p>
             <a:fld id="{44B4BEA2-D109-4532-95C1-CBF8B48DC336}" type="datetimeFigureOut">
               <a:rPr lang="en-IN" smtClean="0"/>
-              <a:t>05-06-2024</a:t>
+              <a:t>21-01-2025</a:t>
             </a:fld>
             <a:endParaRPr lang="en-IN"/>
           </a:p>
@@ -871,7 +871,7 @@
           <a:p>
             <a:fld id="{44B4BEA2-D109-4532-95C1-CBF8B48DC336}" type="datetimeFigureOut">
               <a:rPr lang="en-IN" smtClean="0"/>
-              <a:t>05-06-2024</a:t>
+              <a:t>21-01-2025</a:t>
             </a:fld>
             <a:endParaRPr lang="en-IN"/>
           </a:p>
@@ -1147,7 +1147,7 @@
           <a:p>
             <a:fld id="{44B4BEA2-D109-4532-95C1-CBF8B48DC336}" type="datetimeFigureOut">
               <a:rPr lang="en-IN" smtClean="0"/>
-              <a:t>05-06-2024</a:t>
+              <a:t>21-01-2025</a:t>
             </a:fld>
             <a:endParaRPr lang="en-IN"/>
           </a:p>
@@ -1415,7 +1415,7 @@
           <a:p>
             <a:fld id="{44B4BEA2-D109-4532-95C1-CBF8B48DC336}" type="datetimeFigureOut">
               <a:rPr lang="en-IN" smtClean="0"/>
-              <a:t>05-06-2024</a:t>
+              <a:t>21-01-2025</a:t>
             </a:fld>
             <a:endParaRPr lang="en-IN"/>
           </a:p>
@@ -1830,7 +1830,7 @@
           <a:p>
             <a:fld id="{44B4BEA2-D109-4532-95C1-CBF8B48DC336}" type="datetimeFigureOut">
               <a:rPr lang="en-IN" smtClean="0"/>
-              <a:t>05-06-2024</a:t>
+              <a:t>21-01-2025</a:t>
             </a:fld>
             <a:endParaRPr lang="en-IN"/>
           </a:p>
@@ -1972,7 +1972,7 @@
           <a:p>
             <a:fld id="{44B4BEA2-D109-4532-95C1-CBF8B48DC336}" type="datetimeFigureOut">
               <a:rPr lang="en-IN" smtClean="0"/>
-              <a:t>05-06-2024</a:t>
+              <a:t>21-01-2025</a:t>
             </a:fld>
             <a:endParaRPr lang="en-IN"/>
           </a:p>
@@ -2085,7 +2085,7 @@
           <a:p>
             <a:fld id="{44B4BEA2-D109-4532-95C1-CBF8B48DC336}" type="datetimeFigureOut">
               <a:rPr lang="en-IN" smtClean="0"/>
-              <a:t>05-06-2024</a:t>
+              <a:t>21-01-2025</a:t>
             </a:fld>
             <a:endParaRPr lang="en-IN"/>
           </a:p>
@@ -2398,7 +2398,7 @@
           <a:p>
             <a:fld id="{44B4BEA2-D109-4532-95C1-CBF8B48DC336}" type="datetimeFigureOut">
               <a:rPr lang="en-IN" smtClean="0"/>
-              <a:t>05-06-2024</a:t>
+              <a:t>21-01-2025</a:t>
             </a:fld>
             <a:endParaRPr lang="en-IN"/>
           </a:p>
@@ -2687,7 +2687,7 @@
           <a:p>
             <a:fld id="{44B4BEA2-D109-4532-95C1-CBF8B48DC336}" type="datetimeFigureOut">
               <a:rPr lang="en-IN" smtClean="0"/>
-              <a:t>05-06-2024</a:t>
+              <a:t>21-01-2025</a:t>
             </a:fld>
             <a:endParaRPr lang="en-IN"/>
           </a:p>
@@ -2930,7 +2930,7 @@
           <a:p>
             <a:fld id="{44B4BEA2-D109-4532-95C1-CBF8B48DC336}" type="datetimeFigureOut">
               <a:rPr lang="en-IN" smtClean="0"/>
-              <a:t>05-06-2024</a:t>
+              <a:t>21-01-2025</a:t>
             </a:fld>
             <a:endParaRPr lang="en-IN"/>
           </a:p>
@@ -3375,8 +3375,8 @@
         </p:blipFill>
         <p:spPr>
           <a:xfrm flipH="1">
-            <a:off x="160183" y="598384"/>
-            <a:ext cx="1533399" cy="1961965"/>
+            <a:off x="160182" y="598384"/>
+            <a:ext cx="1533399" cy="1584979"/>
           </a:xfrm>
           <a:prstGeom prst="rect">
             <a:avLst/>
@@ -3803,8 +3803,8 @@
         </p:nvSpPr>
         <p:spPr>
           <a:xfrm>
-            <a:off x="1808571" y="4340517"/>
-            <a:ext cx="4649187" cy="874760"/>
+            <a:off x="2151424" y="4417272"/>
+            <a:ext cx="3816221" cy="738664"/>
           </a:xfrm>
           <a:prstGeom prst="rect">
             <a:avLst/>
@@ -3829,17 +3829,47 @@
             </a:pPr>
             <a:r>
               <a:rPr lang="en-US" sz="1200" dirty="0"/>
-              <a:t>MS, Computer Engineering, Auburn University, Montgomery, AL</a:t>
-            </a:r>
-          </a:p>
-          <a:p>
-            <a:pPr marL="171450" indent="-171450" algn="just">
-              <a:buFont typeface="Arial" panose="020B0604020202020204" pitchFamily="34" charset="0"/>
-              <a:buChar char="•"/>
-            </a:pPr>
+              <a:t>MS, </a:t>
+            </a:r>
+            <a:r>
+              <a:rPr lang="en-US" sz="1400" dirty="0"/>
+              <a:t>Computer</a:t>
+            </a:r>
             <a:r>
               <a:rPr lang="en-US" sz="1200" dirty="0"/>
-              <a:t>B-Tech, Computer Science &amp; Architecture, Jawaharlal Nehru Technological University, Hyderabad, India.</a:t>
+              <a:t> </a:t>
+            </a:r>
+            <a:r>
+              <a:rPr lang="en-US" sz="1400" dirty="0"/>
+              <a:t>Engineering</a:t>
+            </a:r>
+            <a:r>
+              <a:rPr lang="en-US" sz="1200" dirty="0"/>
+              <a:t>, </a:t>
+            </a:r>
+            <a:r>
+              <a:rPr lang="en-US" sz="1400" dirty="0"/>
+              <a:t>Auburn</a:t>
+            </a:r>
+            <a:r>
+              <a:rPr lang="en-US" sz="1200" dirty="0"/>
+              <a:t> </a:t>
+            </a:r>
+            <a:r>
+              <a:rPr lang="en-US" sz="1400" dirty="0"/>
+              <a:t>University</a:t>
+            </a:r>
+            <a:r>
+              <a:rPr lang="en-US" sz="1200" dirty="0"/>
+              <a:t>, </a:t>
+            </a:r>
+            <a:r>
+              <a:rPr lang="en-US" sz="1400" dirty="0"/>
+              <a:t>Montgomery</a:t>
+            </a:r>
+            <a:r>
+              <a:rPr lang="en-US" sz="1200" dirty="0"/>
+              <a:t>, AL</a:t>
             </a:r>
           </a:p>
         </p:txBody>
@@ -4395,7 +4425,7 @@
         </p:blipFill>
         <p:spPr bwMode="auto">
           <a:xfrm>
-            <a:off x="134723" y="2864885"/>
+            <a:off x="134721" y="2230858"/>
             <a:ext cx="1584325" cy="738188"/>
           </a:xfrm>
           <a:prstGeom prst="rect">
@@ -4440,7 +4470,7 @@
         </p:nvSpPr>
         <p:spPr>
           <a:xfrm>
-            <a:off x="4340677" y="5100308"/>
+            <a:off x="4298589" y="5134094"/>
             <a:ext cx="2163714" cy="1169551"/>
           </a:xfrm>
           <a:prstGeom prst="rect">
@@ -4523,7 +4553,7 @@
         </p:blipFill>
         <p:spPr bwMode="auto">
           <a:xfrm>
-            <a:off x="134721" y="3683317"/>
+            <a:off x="134721" y="3012272"/>
             <a:ext cx="1584325" cy="706989"/>
           </a:xfrm>
           <a:prstGeom prst="rect">
@@ -4539,6 +4569,78 @@
               </a14:hiddenFill>
             </a:ext>
           </a:extLst>
+        </p:spPr>
+      </p:pic>
+      <p:pic>
+        <p:nvPicPr>
+          <p:cNvPr id="14" name="Picture 13" descr="A blue hexagon with white text&#10;&#10;Description automatically generated">
+            <a:extLst>
+              <a:ext uri="{FF2B5EF4-FFF2-40B4-BE49-F238E27FC236}">
+                <a16:creationId xmlns:a16="http://schemas.microsoft.com/office/drawing/2014/main" id="{9ABBD497-9EB5-9222-8148-1EA4D553A04F}"/>
+              </a:ext>
+            </a:extLst>
+          </p:cNvPr>
+          <p:cNvPicPr>
+            <a:picLocks noChangeAspect="1"/>
+          </p:cNvPicPr>
+          <p:nvPr/>
+        </p:nvPicPr>
+        <p:blipFill>
+          <a:blip r:embed="rId5">
+            <a:extLst>
+              <a:ext uri="{28A0092B-C50C-407E-A947-70E740481C1C}">
+                <a14:useLocalDpi xmlns:a14="http://schemas.microsoft.com/office/drawing/2010/main" val="0"/>
+              </a:ext>
+            </a:extLst>
+          </a:blip>
+          <a:stretch>
+            <a:fillRect/>
+          </a:stretch>
+        </p:blipFill>
+        <p:spPr>
+          <a:xfrm>
+            <a:off x="97397" y="3735316"/>
+            <a:ext cx="892612" cy="874760"/>
+          </a:xfrm>
+          <a:prstGeom prst="rect">
+            <a:avLst/>
+          </a:prstGeom>
+        </p:spPr>
+      </p:pic>
+      <p:pic>
+        <p:nvPicPr>
+          <p:cNvPr id="17" name="Picture 16" descr="A hexagon with white text&#10;&#10;Description automatically generated">
+            <a:extLst>
+              <a:ext uri="{FF2B5EF4-FFF2-40B4-BE49-F238E27FC236}">
+                <a16:creationId xmlns:a16="http://schemas.microsoft.com/office/drawing/2014/main" id="{46186059-F707-1FF2-FFD4-F88BAA11D9E5}"/>
+              </a:ext>
+            </a:extLst>
+          </p:cNvPr>
+          <p:cNvPicPr>
+            <a:picLocks noChangeAspect="1"/>
+          </p:cNvPicPr>
+          <p:nvPr/>
+        </p:nvPicPr>
+        <p:blipFill>
+          <a:blip r:embed="rId6">
+            <a:extLst>
+              <a:ext uri="{28A0092B-C50C-407E-A947-70E740481C1C}">
+                <a14:useLocalDpi xmlns:a14="http://schemas.microsoft.com/office/drawing/2010/main" val="0"/>
+              </a:ext>
+            </a:extLst>
+          </a:blip>
+          <a:stretch>
+            <a:fillRect/>
+          </a:stretch>
+        </p:blipFill>
+        <p:spPr>
+          <a:xfrm>
+            <a:off x="921538" y="3681219"/>
+            <a:ext cx="998397" cy="998397"/>
+          </a:xfrm>
+          <a:prstGeom prst="rect">
+            <a:avLst/>
+          </a:prstGeom>
         </p:spPr>
       </p:pic>
     </p:spTree>
